--- a/触摸式远程协同系统.pptx
+++ b/触摸式远程协同系统.pptx
@@ -218,7 +218,7 @@
           <a:p>
             <a:fld id="{75E7A195-25D9-48DF-B639-5B24D2B00AE8}" type="datetimeFigureOut">
               <a:rPr lang="zh-CN" altLang="en-US" smtClean="0"/>
-              <a:t>2018/7/20</a:t>
+              <a:t>2018/7/23</a:t>
             </a:fld>
             <a:endParaRPr lang="zh-CN" altLang="en-US"/>
           </a:p>
@@ -3056,7 +3056,7 @@
           <a:p>
             <a:fld id="{F68D6209-B3DA-41BE-87E3-CC78C5062099}" type="datetimeFigureOut">
               <a:rPr lang="zh-CN" altLang="en-US" smtClean="0"/>
-              <a:t>2018/7/20</a:t>
+              <a:t>2018/7/23</a:t>
             </a:fld>
             <a:endParaRPr lang="zh-CN" altLang="en-US"/>
           </a:p>
@@ -3266,7 +3266,7 @@
           <a:p>
             <a:fld id="{F68D6209-B3DA-41BE-87E3-CC78C5062099}" type="datetimeFigureOut">
               <a:rPr lang="zh-CN" altLang="en-US" smtClean="0"/>
-              <a:t>2018/7/20</a:t>
+              <a:t>2018/7/23</a:t>
             </a:fld>
             <a:endParaRPr lang="zh-CN" altLang="en-US"/>
           </a:p>
@@ -3486,7 +3486,7 @@
           <a:p>
             <a:fld id="{F68D6209-B3DA-41BE-87E3-CC78C5062099}" type="datetimeFigureOut">
               <a:rPr lang="zh-CN" altLang="en-US" smtClean="0"/>
-              <a:t>2018/7/20</a:t>
+              <a:t>2018/7/23</a:t>
             </a:fld>
             <a:endParaRPr lang="zh-CN" altLang="en-US"/>
           </a:p>
@@ -3812,7 +3812,7 @@
           <a:p>
             <a:fld id="{F68D6209-B3DA-41BE-87E3-CC78C5062099}" type="datetimeFigureOut">
               <a:rPr lang="zh-CN" altLang="en-US" smtClean="0"/>
-              <a:t>2018/7/20</a:t>
+              <a:t>2018/7/23</a:t>
             </a:fld>
             <a:endParaRPr lang="zh-CN" altLang="en-US"/>
           </a:p>
@@ -4099,7 +4099,7 @@
           <a:p>
             <a:fld id="{F68D6209-B3DA-41BE-87E3-CC78C5062099}" type="datetimeFigureOut">
               <a:rPr lang="zh-CN" altLang="en-US" smtClean="0"/>
-              <a:t>2018/7/20</a:t>
+              <a:t>2018/7/23</a:t>
             </a:fld>
             <a:endParaRPr lang="zh-CN" altLang="en-US"/>
           </a:p>
@@ -4376,7 +4376,7 @@
           <a:p>
             <a:fld id="{F68D6209-B3DA-41BE-87E3-CC78C5062099}" type="datetimeFigureOut">
               <a:rPr lang="zh-CN" altLang="en-US" smtClean="0"/>
-              <a:t>2018/7/20</a:t>
+              <a:t>2018/7/23</a:t>
             </a:fld>
             <a:endParaRPr lang="zh-CN" altLang="en-US"/>
           </a:p>
@@ -4800,7 +4800,7 @@
           <a:p>
             <a:fld id="{F68D6209-B3DA-41BE-87E3-CC78C5062099}" type="datetimeFigureOut">
               <a:rPr lang="zh-CN" altLang="en-US" smtClean="0"/>
-              <a:t>2018/7/20</a:t>
+              <a:t>2018/7/23</a:t>
             </a:fld>
             <a:endParaRPr lang="zh-CN" altLang="en-US"/>
           </a:p>
@@ -4953,7 +4953,7 @@
           <a:p>
             <a:fld id="{F68D6209-B3DA-41BE-87E3-CC78C5062099}" type="datetimeFigureOut">
               <a:rPr lang="zh-CN" altLang="en-US" smtClean="0"/>
-              <a:t>2018/7/20</a:t>
+              <a:t>2018/7/23</a:t>
             </a:fld>
             <a:endParaRPr lang="zh-CN" altLang="en-US"/>
           </a:p>
@@ -5078,7 +5078,7 @@
           <a:p>
             <a:fld id="{F68D6209-B3DA-41BE-87E3-CC78C5062099}" type="datetimeFigureOut">
               <a:rPr lang="zh-CN" altLang="en-US" smtClean="0"/>
-              <a:t>2018/7/20</a:t>
+              <a:t>2018/7/23</a:t>
             </a:fld>
             <a:endParaRPr lang="zh-CN" altLang="en-US"/>
           </a:p>
@@ -5401,7 +5401,7 @@
           <a:p>
             <a:fld id="{F68D6209-B3DA-41BE-87E3-CC78C5062099}" type="datetimeFigureOut">
               <a:rPr lang="zh-CN" altLang="en-US" smtClean="0"/>
-              <a:t>2018/7/20</a:t>
+              <a:t>2018/7/23</a:t>
             </a:fld>
             <a:endParaRPr lang="zh-CN" altLang="en-US"/>
           </a:p>
@@ -5701,7 +5701,7 @@
           <a:p>
             <a:fld id="{F68D6209-B3DA-41BE-87E3-CC78C5062099}" type="datetimeFigureOut">
               <a:rPr lang="zh-CN" altLang="en-US" smtClean="0"/>
-              <a:t>2018/7/20</a:t>
+              <a:t>2018/7/23</a:t>
             </a:fld>
             <a:endParaRPr lang="zh-CN" altLang="en-US"/>
           </a:p>
@@ -5954,7 +5954,7 @@
           <a:p>
             <a:fld id="{F68D6209-B3DA-41BE-87E3-CC78C5062099}" type="datetimeFigureOut">
               <a:rPr lang="zh-CN" altLang="en-US" smtClean="0"/>
-              <a:t>2018/7/20</a:t>
+              <a:t>2018/7/23</a:t>
             </a:fld>
             <a:endParaRPr lang="zh-CN" altLang="en-US"/>
           </a:p>
@@ -8901,14 +8901,16 @@
       </p:sp>
       <p:pic>
         <p:nvPicPr>
-          <p:cNvPr id="25" name="image02.png">
+          <p:cNvPr id="2" name="图片 1">
             <a:extLst>
               <a:ext uri="{FF2B5EF4-FFF2-40B4-BE49-F238E27FC236}">
-                <a16:creationId xmlns:a16="http://schemas.microsoft.com/office/drawing/2014/main" id="{DE82B79F-3688-417A-B26B-04A65689332C}"/>
+                <a16:creationId xmlns:a16="http://schemas.microsoft.com/office/drawing/2014/main" id="{8BFC84C1-294C-47EF-BDA0-249A98D26309}"/>
               </a:ext>
             </a:extLst>
           </p:cNvPr>
-          <p:cNvPicPr/>
+          <p:cNvPicPr>
+            <a:picLocks noChangeAspect="1"/>
+          </p:cNvPicPr>
           <p:nvPr/>
         </p:nvPicPr>
         <p:blipFill>
@@ -8919,8 +8921,8 @@
         </p:blipFill>
         <p:spPr>
           <a:xfrm>
-            <a:off x="2849217" y="1086678"/>
-            <a:ext cx="6957392" cy="5440448"/>
+            <a:off x="3757612" y="807198"/>
+            <a:ext cx="6314040" cy="5992551"/>
           </a:xfrm>
           <a:prstGeom prst="rect">
             <a:avLst/>
@@ -9111,14 +9113,16 @@
       </p:sp>
       <p:pic>
         <p:nvPicPr>
-          <p:cNvPr id="59" name="image01.png">
+          <p:cNvPr id="2" name="图片 1">
             <a:extLst>
               <a:ext uri="{FF2B5EF4-FFF2-40B4-BE49-F238E27FC236}">
-                <a16:creationId xmlns:a16="http://schemas.microsoft.com/office/drawing/2014/main" id="{15D9B781-E6E5-46B8-8016-5E9E59A04E85}"/>
+                <a16:creationId xmlns:a16="http://schemas.microsoft.com/office/drawing/2014/main" id="{7409FF5B-81B6-48A5-970A-883AEDBC90B2}"/>
               </a:ext>
             </a:extLst>
           </p:cNvPr>
-          <p:cNvPicPr/>
+          <p:cNvPicPr>
+            <a:picLocks noChangeAspect="1"/>
+          </p:cNvPicPr>
           <p:nvPr/>
         </p:nvPicPr>
         <p:blipFill>
@@ -9129,8 +9133,8 @@
         </p:blipFill>
         <p:spPr>
           <a:xfrm>
-            <a:off x="2875722" y="915648"/>
-            <a:ext cx="6917635" cy="5763447"/>
+            <a:off x="3902104" y="905776"/>
+            <a:ext cx="6315322" cy="5952224"/>
           </a:xfrm>
           <a:prstGeom prst="rect">
             <a:avLst/>

--- a/触摸式远程协同系统.pptx
+++ b/触摸式远程协同系统.pptx
@@ -5,7 +5,7 @@
     <p:sldMasterId id="2147483648" r:id="rId1"/>
   </p:sldMasterIdLst>
   <p:notesMasterIdLst>
-    <p:notesMasterId r:id="rId21"/>
+    <p:notesMasterId r:id="rId20"/>
   </p:notesMasterIdLst>
   <p:sldIdLst>
     <p:sldId id="256" r:id="rId2"/>
@@ -25,13 +25,12 @@
     <p:sldId id="266" r:id="rId16"/>
     <p:sldId id="262" r:id="rId17"/>
     <p:sldId id="283" r:id="rId18"/>
-    <p:sldId id="286" r:id="rId19"/>
-    <p:sldId id="287" r:id="rId20"/>
+    <p:sldId id="287" r:id="rId19"/>
   </p:sldIdLst>
   <p:sldSz cx="12192000" cy="6858000"/>
   <p:notesSz cx="6858000" cy="9144000"/>
   <p:custDataLst>
-    <p:tags r:id="rId22"/>
+    <p:tags r:id="rId21"/>
   </p:custDataLst>
   <p:defaultTextStyle>
     <a:defPPr>
@@ -1679,90 +1678,6 @@
             <a:fld id="{3309A62E-828E-401A-9D66-EE7E2E78F9B0}" type="slidenum">
               <a:rPr lang="zh-CN" altLang="en-US" smtClean="0"/>
               <a:t>18</a:t>
-            </a:fld>
-            <a:endParaRPr lang="zh-CN" altLang="en-US"/>
-          </a:p>
-        </p:txBody>
-      </p:sp>
-    </p:spTree>
-    <p:extLst>
-      <p:ext uri="{BB962C8B-B14F-4D97-AF65-F5344CB8AC3E}">
-        <p14:creationId xmlns:p14="http://schemas.microsoft.com/office/powerpoint/2010/main" val="1108070869"/>
-      </p:ext>
-    </p:extLst>
-  </p:cSld>
-  <p:clrMapOvr>
-    <a:masterClrMapping/>
-  </p:clrMapOvr>
-</p:notes>
-</file>
-
-<file path=ppt/notesSlides/notesSlide18.xml><?xml version="1.0" encoding="utf-8"?>
-<p:notes xmlns:a="http://schemas.openxmlformats.org/drawingml/2006/main" xmlns:r="http://schemas.openxmlformats.org/officeDocument/2006/relationships" xmlns:p="http://schemas.openxmlformats.org/presentationml/2006/main">
-  <p:cSld>
-    <p:spTree>
-      <p:nvGrpSpPr>
-        <p:cNvPr id="1" name=""/>
-        <p:cNvGrpSpPr/>
-        <p:nvPr/>
-      </p:nvGrpSpPr>
-      <p:grpSpPr>
-        <a:xfrm>
-          <a:off x="0" y="0"/>
-          <a:ext cx="0" cy="0"/>
-          <a:chOff x="0" y="0"/>
-          <a:chExt cx="0" cy="0"/>
-        </a:xfrm>
-      </p:grpSpPr>
-      <p:sp>
-        <p:nvSpPr>
-          <p:cNvPr id="2" name="幻灯片图像占位符 1"/>
-          <p:cNvSpPr>
-            <a:spLocks noGrp="1" noRot="1" noChangeAspect="1"/>
-          </p:cNvSpPr>
-          <p:nvPr>
-            <p:ph type="sldImg"/>
-          </p:nvPr>
-        </p:nvSpPr>
-        <p:spPr/>
-      </p:sp>
-      <p:sp>
-        <p:nvSpPr>
-          <p:cNvPr id="3" name="备注占位符 2"/>
-          <p:cNvSpPr>
-            <a:spLocks noGrp="1"/>
-          </p:cNvSpPr>
-          <p:nvPr>
-            <p:ph type="body" idx="1"/>
-          </p:nvPr>
-        </p:nvSpPr>
-        <p:spPr/>
-        <p:txBody>
-          <a:bodyPr/>
-          <a:lstStyle/>
-          <a:p>
-            <a:endParaRPr lang="zh-CN" altLang="en-US"/>
-          </a:p>
-        </p:txBody>
-      </p:sp>
-      <p:sp>
-        <p:nvSpPr>
-          <p:cNvPr id="4" name="灯片编号占位符 3"/>
-          <p:cNvSpPr>
-            <a:spLocks noGrp="1"/>
-          </p:cNvSpPr>
-          <p:nvPr>
-            <p:ph type="sldNum" sz="quarter" idx="10"/>
-          </p:nvPr>
-        </p:nvSpPr>
-        <p:spPr/>
-        <p:txBody>
-          <a:bodyPr/>
-          <a:lstStyle/>
-          <a:p>
-            <a:fld id="{3309A62E-828E-401A-9D66-EE7E2E78F9B0}" type="slidenum">
-              <a:rPr lang="zh-CN" altLang="en-US" smtClean="0"/>
-              <a:t>19</a:t>
             </a:fld>
             <a:endParaRPr lang="zh-CN" altLang="en-US"/>
           </a:p>
@@ -10645,243 +10560,6 @@
 </file>
 
 <file path=ppt/slides/slide18.xml><?xml version="1.0" encoding="utf-8"?>
-<p:sld xmlns:a="http://schemas.openxmlformats.org/drawingml/2006/main" xmlns:r="http://schemas.openxmlformats.org/officeDocument/2006/relationships" xmlns:p="http://schemas.openxmlformats.org/presentationml/2006/main">
-  <p:cSld>
-    <p:spTree>
-      <p:nvGrpSpPr>
-        <p:cNvPr id="1" name=""/>
-        <p:cNvGrpSpPr/>
-        <p:nvPr/>
-      </p:nvGrpSpPr>
-      <p:grpSpPr>
-        <a:xfrm>
-          <a:off x="0" y="0"/>
-          <a:ext cx="0" cy="0"/>
-          <a:chOff x="0" y="0"/>
-          <a:chExt cx="0" cy="0"/>
-        </a:xfrm>
-      </p:grpSpPr>
-      <p:sp>
-        <p:nvSpPr>
-          <p:cNvPr id="28" name="TextBox 3">
-            <a:extLst>
-              <a:ext uri="{FF2B5EF4-FFF2-40B4-BE49-F238E27FC236}">
-                <a16:creationId xmlns:a16="http://schemas.microsoft.com/office/drawing/2014/main" id="{90413ABC-4FFD-45A7-8E4B-2441443972D0}"/>
-              </a:ext>
-            </a:extLst>
-          </p:cNvPr>
-          <p:cNvSpPr txBox="1"/>
-          <p:nvPr/>
-        </p:nvSpPr>
-        <p:spPr>
-          <a:xfrm>
-            <a:off x="1121291" y="441165"/>
-            <a:ext cx="1640193" cy="584775"/>
-          </a:xfrm>
-          <a:prstGeom prst="rect">
-            <a:avLst/>
-          </a:prstGeom>
-          <a:noFill/>
-        </p:spPr>
-        <p:txBody>
-          <a:bodyPr wrap="none" rtlCol="0">
-            <a:spAutoFit/>
-          </a:bodyPr>
-          <a:lstStyle/>
-          <a:p>
-            <a:r>
-              <a:rPr lang="en-US" altLang="zh-CN" sz="3200" dirty="0">
-                <a:solidFill>
-                  <a:schemeClr val="accent1"/>
-                </a:solidFill>
-                <a:cs typeface="+mn-ea"/>
-                <a:sym typeface="+mn-lt"/>
-              </a:rPr>
-              <a:t>4.2 </a:t>
-            </a:r>
-            <a:r>
-              <a:rPr lang="zh-CN" altLang="en-US" sz="3200" dirty="0">
-                <a:solidFill>
-                  <a:schemeClr val="accent1"/>
-                </a:solidFill>
-                <a:cs typeface="+mn-ea"/>
-                <a:sym typeface="+mn-lt"/>
-              </a:rPr>
-              <a:t>问题</a:t>
-            </a:r>
-          </a:p>
-        </p:txBody>
-      </p:sp>
-      <p:sp>
-        <p:nvSpPr>
-          <p:cNvPr id="3" name="矩形 2">
-            <a:extLst>
-              <a:ext uri="{FF2B5EF4-FFF2-40B4-BE49-F238E27FC236}">
-                <a16:creationId xmlns:a16="http://schemas.microsoft.com/office/drawing/2014/main" id="{815ECECC-F6EF-4ECF-8611-36508691A6F3}"/>
-              </a:ext>
-            </a:extLst>
-          </p:cNvPr>
-          <p:cNvSpPr/>
-          <p:nvPr/>
-        </p:nvSpPr>
-        <p:spPr>
-          <a:xfrm>
-            <a:off x="1121291" y="1683029"/>
-            <a:ext cx="8786191" cy="830997"/>
-          </a:xfrm>
-          <a:prstGeom prst="rect">
-            <a:avLst/>
-          </a:prstGeom>
-        </p:spPr>
-        <p:txBody>
-          <a:bodyPr wrap="square">
-            <a:spAutoFit/>
-          </a:bodyPr>
-          <a:lstStyle/>
-          <a:p>
-            <a:r>
-              <a:rPr lang="zh-CN" altLang="en-US" sz="2400" dirty="0">
-                <a:latin typeface="宋体" panose="02010600030101010101" pitchFamily="2" charset="-122"/>
-                <a:ea typeface="宋体" panose="02010600030101010101" pitchFamily="2" charset="-122"/>
-              </a:rPr>
-              <a:t>测试多终端接入，需搭建无线局域网，但</a:t>
-            </a:r>
-            <a:r>
-              <a:rPr lang="en-US" altLang="zh-CN" sz="2400" dirty="0">
-                <a:latin typeface="宋体" panose="02010600030101010101" pitchFamily="2" charset="-122"/>
-                <a:ea typeface="宋体" panose="02010600030101010101" pitchFamily="2" charset="-122"/>
-              </a:rPr>
-              <a:t>CRDC</a:t>
-            </a:r>
-            <a:r>
-              <a:rPr lang="zh-CN" altLang="en-US" sz="2400" dirty="0">
-                <a:latin typeface="宋体" panose="02010600030101010101" pitchFamily="2" charset="-122"/>
-                <a:ea typeface="宋体" panose="02010600030101010101" pitchFamily="2" charset="-122"/>
-              </a:rPr>
-              <a:t>无线网的设备间无法连通，所以需要一个无线路由器</a:t>
-            </a:r>
-            <a:r>
-              <a:rPr lang="zh-CN" altLang="en-US" dirty="0"/>
-              <a:t>。</a:t>
-            </a:r>
-          </a:p>
-        </p:txBody>
-      </p:sp>
-    </p:spTree>
-    <p:extLst>
-      <p:ext uri="{BB962C8B-B14F-4D97-AF65-F5344CB8AC3E}">
-        <p14:creationId xmlns:p14="http://schemas.microsoft.com/office/powerpoint/2010/main" val="2390486802"/>
-      </p:ext>
-    </p:extLst>
-  </p:cSld>
-  <p:clrMapOvr>
-    <a:masterClrMapping/>
-  </p:clrMapOvr>
-  <mc:AlternateContent xmlns:mc="http://schemas.openxmlformats.org/markup-compatibility/2006" xmlns:p14="http://schemas.microsoft.com/office/powerpoint/2010/main">
-    <mc:Choice Requires="p14">
-      <p:transition spd="slow" p14:dur="1500">
-        <p:random/>
-      </p:transition>
-    </mc:Choice>
-    <mc:Fallback xmlns="">
-      <p:transition spd="slow">
-        <p:random/>
-      </p:transition>
-    </mc:Fallback>
-  </mc:AlternateContent>
-  <p:timing>
-    <p:tnLst>
-      <p:par>
-        <p:cTn id="1" dur="indefinite" restart="never" nodeType="tmRoot">
-          <p:childTnLst>
-            <p:seq concurrent="1" nextAc="seek">
-              <p:cTn id="2" dur="indefinite" nodeType="mainSeq">
-                <p:childTnLst>
-                  <p:par>
-                    <p:cTn id="3" fill="hold">
-                      <p:stCondLst>
-                        <p:cond delay="indefinite"/>
-                        <p:cond evt="onBegin" delay="0">
-                          <p:tn val="2"/>
-                        </p:cond>
-                      </p:stCondLst>
-                      <p:childTnLst>
-                        <p:par>
-                          <p:cTn id="4" fill="hold">
-                            <p:stCondLst>
-                              <p:cond delay="0"/>
-                            </p:stCondLst>
-                            <p:childTnLst>
-                              <p:par>
-                                <p:cTn id="5" presetID="10" presetClass="entr" presetSubtype="0" fill="hold" grpId="0" nodeType="withEffect">
-                                  <p:stCondLst>
-                                    <p:cond delay="0"/>
-                                  </p:stCondLst>
-                                  <p:childTnLst>
-                                    <p:set>
-                                      <p:cBhvr>
-                                        <p:cTn id="6" dur="1" fill="hold">
-                                          <p:stCondLst>
-                                            <p:cond delay="0"/>
-                                          </p:stCondLst>
-                                        </p:cTn>
-                                        <p:tgtEl>
-                                          <p:spTgt spid="28"/>
-                                        </p:tgtEl>
-                                        <p:attrNameLst>
-                                          <p:attrName>style.visibility</p:attrName>
-                                        </p:attrNameLst>
-                                      </p:cBhvr>
-                                      <p:to>
-                                        <p:strVal val="visible"/>
-                                      </p:to>
-                                    </p:set>
-                                    <p:animEffect transition="in" filter="fade">
-                                      <p:cBhvr>
-                                        <p:cTn id="7" dur="500"/>
-                                        <p:tgtEl>
-                                          <p:spTgt spid="28"/>
-                                        </p:tgtEl>
-                                      </p:cBhvr>
-                                    </p:animEffect>
-                                  </p:childTnLst>
-                                </p:cTn>
-                              </p:par>
-                            </p:childTnLst>
-                          </p:cTn>
-                        </p:par>
-                      </p:childTnLst>
-                    </p:cTn>
-                  </p:par>
-                </p:childTnLst>
-              </p:cTn>
-              <p:prevCondLst>
-                <p:cond evt="onPrev" delay="0">
-                  <p:tgtEl>
-                    <p:sldTgt/>
-                  </p:tgtEl>
-                </p:cond>
-              </p:prevCondLst>
-              <p:nextCondLst>
-                <p:cond evt="onNext" delay="0">
-                  <p:tgtEl>
-                    <p:sldTgt/>
-                  </p:tgtEl>
-                </p:cond>
-              </p:nextCondLst>
-            </p:seq>
-          </p:childTnLst>
-        </p:cTn>
-      </p:par>
-    </p:tnLst>
-    <p:bldLst>
-      <p:bldP spid="28" grpId="0"/>
-    </p:bldLst>
-  </p:timing>
-</p:sld>
-</file>
-
-<file path=ppt/slides/slide19.xml><?xml version="1.0" encoding="utf-8"?>
 <p:sld xmlns:a="http://schemas.openxmlformats.org/drawingml/2006/main" xmlns:r="http://schemas.openxmlformats.org/officeDocument/2006/relationships" xmlns:p="http://schemas.openxmlformats.org/presentationml/2006/main">
   <p:cSld>
     <p:spTree>
